--- a/FFPM/FFPM 779.pptx
+++ b/FFPM/FFPM 779.pptx
@@ -9,11 +9,11 @@
     <p:sldId id="257" r:id="rId3"/>
     <p:sldId id="258" r:id="rId4"/>
     <p:sldId id="259" r:id="rId5"/>
-    <p:sldId id="260" r:id="rId6"/>
+    <p:sldId id="265" r:id="rId6"/>
     <p:sldId id="261" r:id="rId7"/>
-    <p:sldId id="262" r:id="rId8"/>
+    <p:sldId id="266" r:id="rId8"/>
     <p:sldId id="263" r:id="rId9"/>
-    <p:sldId id="264" r:id="rId10"/>
+    <p:sldId id="267" r:id="rId10"/>
   </p:sldIdLst>
   <p:sldSz cx="9144000" cy="5143500" type="screen16x9"/>
   <p:notesSz cx="6858000" cy="9144000"/>
@@ -112,6 +112,22 @@
       </a:defRPr>
     </a:lvl9pPr>
   </p:defaultTextStyle>
+  <p:extLst>
+    <p:ext uri="{EFAFB233-063F-42B5-8137-9DF3F51BA10A}">
+      <p15:sldGuideLst xmlns:p15="http://schemas.microsoft.com/office/powerpoint/2012/main">
+        <p15:guide id="1" orient="horz" pos="1620">
+          <p15:clr>
+            <a:srgbClr val="A4A3A4"/>
+          </p15:clr>
+        </p15:guide>
+        <p15:guide id="2" pos="2880">
+          <p15:clr>
+            <a:srgbClr val="A4A3A4"/>
+          </p15:clr>
+        </p15:guide>
+      </p15:sldGuideLst>
+    </p:ext>
+  </p:extLst>
 </p:presentation>
 </file>
 
@@ -296,7 +312,7 @@
           <a:p>
             <a:fld id="{3D37EE3F-0B93-40F2-BFED-B400B6C3F5F8}" type="datetimeFigureOut">
               <a:rPr lang="fr-FR" smtClean="0"/>
-              <a:t>06/11/2014</a:t>
+              <a:t>25/05/2025</a:t>
             </a:fld>
             <a:endParaRPr lang="fr-FR"/>
           </a:p>
@@ -466,7 +482,7 @@
           <a:p>
             <a:fld id="{3D37EE3F-0B93-40F2-BFED-B400B6C3F5F8}" type="datetimeFigureOut">
               <a:rPr lang="fr-FR" smtClean="0"/>
-              <a:t>06/11/2014</a:t>
+              <a:t>25/05/2025</a:t>
             </a:fld>
             <a:endParaRPr lang="fr-FR"/>
           </a:p>
@@ -646,7 +662,7 @@
           <a:p>
             <a:fld id="{3D37EE3F-0B93-40F2-BFED-B400B6C3F5F8}" type="datetimeFigureOut">
               <a:rPr lang="fr-FR" smtClean="0"/>
-              <a:t>06/11/2014</a:t>
+              <a:t>25/05/2025</a:t>
             </a:fld>
             <a:endParaRPr lang="fr-FR"/>
           </a:p>
@@ -816,7 +832,7 @@
           <a:p>
             <a:fld id="{3D37EE3F-0B93-40F2-BFED-B400B6C3F5F8}" type="datetimeFigureOut">
               <a:rPr lang="fr-FR" smtClean="0"/>
-              <a:t>06/11/2014</a:t>
+              <a:t>25/05/2025</a:t>
             </a:fld>
             <a:endParaRPr lang="fr-FR"/>
           </a:p>
@@ -1062,7 +1078,7 @@
           <a:p>
             <a:fld id="{3D37EE3F-0B93-40F2-BFED-B400B6C3F5F8}" type="datetimeFigureOut">
               <a:rPr lang="fr-FR" smtClean="0"/>
-              <a:t>06/11/2014</a:t>
+              <a:t>25/05/2025</a:t>
             </a:fld>
             <a:endParaRPr lang="fr-FR"/>
           </a:p>
@@ -1350,7 +1366,7 @@
           <a:p>
             <a:fld id="{3D37EE3F-0B93-40F2-BFED-B400B6C3F5F8}" type="datetimeFigureOut">
               <a:rPr lang="fr-FR" smtClean="0"/>
-              <a:t>06/11/2014</a:t>
+              <a:t>25/05/2025</a:t>
             </a:fld>
             <a:endParaRPr lang="fr-FR"/>
           </a:p>
@@ -1777,7 +1793,7 @@
           <a:p>
             <a:fld id="{3D37EE3F-0B93-40F2-BFED-B400B6C3F5F8}" type="datetimeFigureOut">
               <a:rPr lang="fr-FR" smtClean="0"/>
-              <a:t>06/11/2014</a:t>
+              <a:t>25/05/2025</a:t>
             </a:fld>
             <a:endParaRPr lang="fr-FR"/>
           </a:p>
@@ -1895,7 +1911,7 @@
           <a:p>
             <a:fld id="{3D37EE3F-0B93-40F2-BFED-B400B6C3F5F8}" type="datetimeFigureOut">
               <a:rPr lang="fr-FR" smtClean="0"/>
-              <a:t>06/11/2014</a:t>
+              <a:t>25/05/2025</a:t>
             </a:fld>
             <a:endParaRPr lang="fr-FR"/>
           </a:p>
@@ -1990,7 +2006,7 @@
           <a:p>
             <a:fld id="{3D37EE3F-0B93-40F2-BFED-B400B6C3F5F8}" type="datetimeFigureOut">
               <a:rPr lang="fr-FR" smtClean="0"/>
-              <a:t>06/11/2014</a:t>
+              <a:t>25/05/2025</a:t>
             </a:fld>
             <a:endParaRPr lang="fr-FR"/>
           </a:p>
@@ -2267,7 +2283,7 @@
           <a:p>
             <a:fld id="{3D37EE3F-0B93-40F2-BFED-B400B6C3F5F8}" type="datetimeFigureOut">
               <a:rPr lang="fr-FR" smtClean="0"/>
-              <a:t>06/11/2014</a:t>
+              <a:t>25/05/2025</a:t>
             </a:fld>
             <a:endParaRPr lang="fr-FR"/>
           </a:p>
@@ -2520,7 +2536,7 @@
           <a:p>
             <a:fld id="{3D37EE3F-0B93-40F2-BFED-B400B6C3F5F8}" type="datetimeFigureOut">
               <a:rPr lang="fr-FR" smtClean="0"/>
-              <a:t>06/11/2014</a:t>
+              <a:t>25/05/2025</a:t>
             </a:fld>
             <a:endParaRPr lang="fr-FR"/>
           </a:p>
@@ -2733,7 +2749,7 @@
           <a:p>
             <a:fld id="{3D37EE3F-0B93-40F2-BFED-B400B6C3F5F8}" type="datetimeFigureOut">
               <a:rPr lang="fr-FR" smtClean="0"/>
-              <a:t>06/11/2014</a:t>
+              <a:t>25/05/2025</a:t>
             </a:fld>
             <a:endParaRPr lang="fr-FR"/>
           </a:p>
@@ -3480,8 +3496,20 @@
               <a:rPr lang="fr-FR" sz="6600" b="1" dirty="0"/>
             </a:br>
             <a:r>
+              <a:rPr lang="fr-FR" sz="6600" b="1" dirty="0" err="1" smtClean="0"/>
+              <a:t>Entinay</a:t>
+            </a:r>
+            <a:r>
+              <a:rPr lang="fr-FR" sz="6600" b="1" dirty="0" smtClean="0"/>
+              <a:t> </a:t>
+            </a:r>
+            <a:r>
+              <a:rPr lang="en-GB" sz="6600" b="1" dirty="0" err="1"/>
+              <a:t>m</a:t>
+            </a:r>
+            <a:r>
               <a:rPr lang="en-GB" sz="6600" b="1" dirty="0" err="1" smtClean="0"/>
-              <a:t>Mider</a:t>
+              <a:t>ider</a:t>
             </a:r>
             <a:r>
               <a:rPr lang="en-GB" sz="6600" b="1" i="1" dirty="0" err="1" smtClean="0"/>
@@ -3684,18 +3712,6 @@
 <file path=ppt/slides/slide5.xml><?xml version="1.0" encoding="utf-8"?>
 <p:sld xmlns:a="http://schemas.openxmlformats.org/drawingml/2006/main" xmlns:r="http://schemas.openxmlformats.org/officeDocument/2006/relationships" xmlns:p="http://schemas.openxmlformats.org/presentationml/2006/main">
   <p:cSld>
-    <p:bg>
-      <p:bgPr>
-        <a:solidFill>
-          <a:schemeClr val="accent3">
-            <a:lumMod val="60000"/>
-            <a:lumOff val="40000"/>
-            <a:alpha val="66000"/>
-          </a:schemeClr>
-        </a:solidFill>
-        <a:effectLst/>
-      </p:bgPr>
-    </p:bg>
     <p:spTree>
       <p:nvGrpSpPr>
         <p:cNvPr id="1" name=""/>
@@ -3831,8 +3847,20 @@
               <a:rPr lang="fr-FR" sz="6600" b="1" dirty="0"/>
             </a:br>
             <a:r>
+              <a:rPr lang="fr-FR" sz="6600" b="1" dirty="0" err="1" smtClean="0"/>
+              <a:t>Entinay</a:t>
+            </a:r>
+            <a:r>
+              <a:rPr lang="fr-FR" sz="6600" b="1" dirty="0" smtClean="0"/>
+              <a:t> </a:t>
+            </a:r>
+            <a:r>
+              <a:rPr lang="en-GB" sz="6600" b="1" dirty="0" err="1"/>
+              <a:t>m</a:t>
+            </a:r>
+            <a:r>
               <a:rPr lang="en-GB" sz="6600" b="1" dirty="0" err="1" smtClean="0"/>
-              <a:t>Mider</a:t>
+              <a:t>ider</a:t>
             </a:r>
             <a:r>
               <a:rPr lang="en-GB" sz="6600" b="1" i="1" dirty="0" err="1" smtClean="0"/>
@@ -3857,7 +3885,7 @@
     </p:spTree>
     <p:extLst>
       <p:ext uri="{BB962C8B-B14F-4D97-AF65-F5344CB8AC3E}">
-        <p14:creationId xmlns:p14="http://schemas.microsoft.com/office/powerpoint/2010/main" val="856914641"/>
+        <p14:creationId xmlns:p14="http://schemas.microsoft.com/office/powerpoint/2010/main" val="2354599598"/>
       </p:ext>
     </p:extLst>
   </p:cSld>
@@ -4051,18 +4079,6 @@
 <file path=ppt/slides/slide7.xml><?xml version="1.0" encoding="utf-8"?>
 <p:sld xmlns:a="http://schemas.openxmlformats.org/drawingml/2006/main" xmlns:r="http://schemas.openxmlformats.org/officeDocument/2006/relationships" xmlns:p="http://schemas.openxmlformats.org/presentationml/2006/main">
   <p:cSld>
-    <p:bg>
-      <p:bgPr>
-        <a:solidFill>
-          <a:schemeClr val="accent3">
-            <a:lumMod val="60000"/>
-            <a:lumOff val="40000"/>
-            <a:alpha val="66000"/>
-          </a:schemeClr>
-        </a:solidFill>
-        <a:effectLst/>
-      </p:bgPr>
-    </p:bg>
     <p:spTree>
       <p:nvGrpSpPr>
         <p:cNvPr id="1" name=""/>
@@ -4198,8 +4214,20 @@
               <a:rPr lang="fr-FR" sz="6600" b="1" dirty="0"/>
             </a:br>
             <a:r>
+              <a:rPr lang="fr-FR" sz="6600" b="1" dirty="0" err="1" smtClean="0"/>
+              <a:t>Entinay</a:t>
+            </a:r>
+            <a:r>
+              <a:rPr lang="fr-FR" sz="6600" b="1" dirty="0" smtClean="0"/>
+              <a:t> </a:t>
+            </a:r>
+            <a:r>
+              <a:rPr lang="en-GB" sz="6600" b="1" dirty="0" err="1"/>
+              <a:t>m</a:t>
+            </a:r>
+            <a:r>
               <a:rPr lang="en-GB" sz="6600" b="1" dirty="0" err="1" smtClean="0"/>
-              <a:t>Mider</a:t>
+              <a:t>ider</a:t>
             </a:r>
             <a:r>
               <a:rPr lang="en-GB" sz="6600" b="1" i="1" dirty="0" err="1" smtClean="0"/>
@@ -4224,7 +4252,7 @@
     </p:spTree>
     <p:extLst>
       <p:ext uri="{BB962C8B-B14F-4D97-AF65-F5344CB8AC3E}">
-        <p14:creationId xmlns:p14="http://schemas.microsoft.com/office/powerpoint/2010/main" val="927894917"/>
+        <p14:creationId xmlns:p14="http://schemas.microsoft.com/office/powerpoint/2010/main" val="4108988399"/>
       </p:ext>
     </p:extLst>
   </p:cSld>
@@ -4414,18 +4442,6 @@
 <file path=ppt/slides/slide9.xml><?xml version="1.0" encoding="utf-8"?>
 <p:sld xmlns:a="http://schemas.openxmlformats.org/drawingml/2006/main" xmlns:r="http://schemas.openxmlformats.org/officeDocument/2006/relationships" xmlns:p="http://schemas.openxmlformats.org/presentationml/2006/main">
   <p:cSld>
-    <p:bg>
-      <p:bgPr>
-        <a:solidFill>
-          <a:schemeClr val="accent3">
-            <a:lumMod val="60000"/>
-            <a:lumOff val="40000"/>
-            <a:alpha val="66000"/>
-          </a:schemeClr>
-        </a:solidFill>
-        <a:effectLst/>
-      </p:bgPr>
-    </p:bg>
     <p:spTree>
       <p:nvGrpSpPr>
         <p:cNvPr id="1" name=""/>
@@ -4561,8 +4577,20 @@
               <a:rPr lang="fr-FR" sz="6600" b="1" dirty="0"/>
             </a:br>
             <a:r>
+              <a:rPr lang="fr-FR" sz="6600" b="1" dirty="0" err="1" smtClean="0"/>
+              <a:t>Entinay</a:t>
+            </a:r>
+            <a:r>
+              <a:rPr lang="fr-FR" sz="6600" b="1" dirty="0" smtClean="0"/>
+              <a:t> </a:t>
+            </a:r>
+            <a:r>
+              <a:rPr lang="en-GB" sz="6600" b="1" dirty="0" err="1"/>
+              <a:t>m</a:t>
+            </a:r>
+            <a:r>
               <a:rPr lang="en-GB" sz="6600" b="1" dirty="0" err="1" smtClean="0"/>
-              <a:t>Mider</a:t>
+              <a:t>ider</a:t>
             </a:r>
             <a:r>
               <a:rPr lang="en-GB" sz="6600" b="1" i="1" dirty="0" err="1" smtClean="0"/>
@@ -4587,7 +4615,7 @@
     </p:spTree>
     <p:extLst>
       <p:ext uri="{BB962C8B-B14F-4D97-AF65-F5344CB8AC3E}">
-        <p14:creationId xmlns:p14="http://schemas.microsoft.com/office/powerpoint/2010/main" val="3543027722"/>
+        <p14:creationId xmlns:p14="http://schemas.microsoft.com/office/powerpoint/2010/main" val="3587350721"/>
       </p:ext>
     </p:extLst>
   </p:cSld>
